--- a/Veridion challenge.pptx
+++ b/Veridion challenge.pptx
@@ -6,16 +6,16 @@
   </p:sldMasterIdLst>
   <p:sldIdLst>
     <p:sldId id="256" r:id="rId2"/>
-    <p:sldId id="257" r:id="rId3"/>
-    <p:sldId id="258" r:id="rId4"/>
-    <p:sldId id="259" r:id="rId5"/>
-    <p:sldId id="260" r:id="rId6"/>
-    <p:sldId id="261" r:id="rId7"/>
-    <p:sldId id="262" r:id="rId8"/>
-    <p:sldId id="263" r:id="rId9"/>
-    <p:sldId id="264" r:id="rId10"/>
-    <p:sldId id="265" r:id="rId11"/>
-    <p:sldId id="266" r:id="rId12"/>
+    <p:sldId id="268" r:id="rId3"/>
+    <p:sldId id="257" r:id="rId4"/>
+    <p:sldId id="258" r:id="rId5"/>
+    <p:sldId id="259" r:id="rId6"/>
+    <p:sldId id="260" r:id="rId7"/>
+    <p:sldId id="261" r:id="rId8"/>
+    <p:sldId id="262" r:id="rId9"/>
+    <p:sldId id="263" r:id="rId10"/>
+    <p:sldId id="264" r:id="rId11"/>
+    <p:sldId id="265" r:id="rId12"/>
     <p:sldId id="267" r:id="rId13"/>
   </p:sldIdLst>
   <p:sldSz cx="12192000" cy="6858000"/>
@@ -115,6 +115,11 @@
       </a:defRPr>
     </a:lvl9pPr>
   </p:defaultTextStyle>
+  <p:extLst>
+    <p:ext uri="{EFAFB233-063F-42B5-8137-9DF3F51BA10A}">
+      <p15:sldGuideLst xmlns:p15="http://schemas.microsoft.com/office/powerpoint/2012/main"/>
+    </p:ext>
+  </p:extLst>
 </p:presentation>
 </file>
 
@@ -780,7 +785,7 @@
           <a:p>
             <a:fld id="{92538219-6E45-4D12-B767-46F92D5844D4}" type="datetime1">
               <a:rPr lang="en-US" smtClean="0"/>
-              <a:t>3/30/2024</a:t>
+              <a:t>4/1/2024</a:t>
             </a:fld>
             <a:endParaRPr lang="en-US"/>
           </a:p>
@@ -978,7 +983,7 @@
           <a:p>
             <a:fld id="{836430B8-6059-41E5-A5DC-C07A76F5859A}" type="datetime1">
               <a:rPr lang="en-US" smtClean="0"/>
-              <a:t>3/30/2024</a:t>
+              <a:t>4/1/2024</a:t>
             </a:fld>
             <a:endParaRPr lang="en-US"/>
           </a:p>
@@ -1240,7 +1245,7 @@
           <a:p>
             <a:fld id="{A09D0CB7-D16E-4358-B7F4-EA4A24554592}" type="datetime1">
               <a:rPr lang="en-US" smtClean="0"/>
-              <a:t>3/30/2024</a:t>
+              <a:t>4/1/2024</a:t>
             </a:fld>
             <a:endParaRPr lang="en-US"/>
           </a:p>
@@ -1456,7 +1461,7 @@
           <a:p>
             <a:fld id="{8BB296A2-D8F0-4E17-BFD0-A6C902250D59}" type="datetime1">
               <a:rPr lang="en-US" smtClean="0"/>
-              <a:t>3/30/2024</a:t>
+              <a:t>4/1/2024</a:t>
             </a:fld>
             <a:endParaRPr lang="en-US"/>
           </a:p>
@@ -1786,7 +1791,7 @@
           <a:p>
             <a:fld id="{D9108C9C-1ACB-4C84-A002-C7E0E45B937A}" type="datetime1">
               <a:rPr lang="en-US" smtClean="0"/>
-              <a:t>3/30/2024</a:t>
+              <a:t>4/1/2024</a:t>
             </a:fld>
             <a:endParaRPr lang="en-US"/>
           </a:p>
@@ -2059,7 +2064,7 @@
           <a:p>
             <a:fld id="{F49AF2A5-B297-4977-9E5B-4D3050E23689}" type="datetime1">
               <a:rPr lang="en-US" smtClean="0"/>
-              <a:t>3/30/2024</a:t>
+              <a:t>4/1/2024</a:t>
             </a:fld>
             <a:endParaRPr lang="en-US"/>
           </a:p>
@@ -2474,7 +2479,7 @@
           <a:p>
             <a:fld id="{70127434-4794-409A-9547-04789BA47588}" type="datetime1">
               <a:rPr lang="en-US" smtClean="0"/>
-              <a:t>3/30/2024</a:t>
+              <a:t>4/1/2024</a:t>
             </a:fld>
             <a:endParaRPr lang="en-US"/>
           </a:p>
@@ -2615,7 +2620,7 @@
           <a:p>
             <a:fld id="{85658635-357A-4E3D-B824-A5CEFDB8449C}" type="datetime1">
               <a:rPr lang="en-US" smtClean="0"/>
-              <a:t>3/30/2024</a:t>
+              <a:t>4/1/2024</a:t>
             </a:fld>
             <a:endParaRPr lang="en-US"/>
           </a:p>
@@ -2728,7 +2733,7 @@
           <a:p>
             <a:fld id="{7E86FF77-2719-4AD0-8740-0B90FF5D1EFB}" type="datetime1">
               <a:rPr lang="en-US" smtClean="0"/>
-              <a:t>3/30/2024</a:t>
+              <a:t>4/1/2024</a:t>
             </a:fld>
             <a:endParaRPr lang="en-US"/>
           </a:p>
@@ -3224,7 +3229,7 @@
           <a:p>
             <a:fld id="{6E441C83-1089-48B9-8B65-293D4C236D35}" type="datetime1">
               <a:rPr lang="en-US" smtClean="0"/>
-              <a:t>3/30/2024</a:t>
+              <a:t>4/1/2024</a:t>
             </a:fld>
             <a:endParaRPr lang="en-US"/>
           </a:p>
@@ -3700,7 +3705,7 @@
           <a:p>
             <a:fld id="{D162FE45-CC1E-47DB-8B82-6CF0636FBDB8}" type="datetime1">
               <a:rPr lang="en-US" smtClean="0"/>
-              <a:t>3/30/2024</a:t>
+              <a:t>4/1/2024</a:t>
             </a:fld>
             <a:endParaRPr lang="en-US"/>
           </a:p>
@@ -3995,7 +4000,7 @@
           <a:p>
             <a:fld id="{51FC8E16-3C03-4238-9C6F-B34F3D10F77E}" type="datetime1">
               <a:rPr lang="en-US" smtClean="0"/>
-              <a:t>3/30/2024</a:t>
+              <a:t>4/1/2024</a:t>
             </a:fld>
             <a:endParaRPr lang="en-US" dirty="0"/>
           </a:p>
@@ -4771,7 +4776,7 @@
           <p:cNvPr id="2" name="Title 1">
             <a:extLst>
               <a:ext uri="{FF2B5EF4-FFF2-40B4-BE49-F238E27FC236}">
-                <a16:creationId xmlns:a16="http://schemas.microsoft.com/office/drawing/2014/main" id="{CC5E89A2-6F1C-07AE-31A7-2C0F61AC3C55}"/>
+                <a16:creationId xmlns:a16="http://schemas.microsoft.com/office/drawing/2014/main" id="{DEAB134B-57B5-56E9-44DD-B1595CC4F744}"/>
               </a:ext>
             </a:extLst>
           </p:cNvPr>
@@ -4789,7 +4794,7 @@
           <a:p>
             <a:r>
               <a:rPr lang="en-US" dirty="0"/>
-              <a:t>Improving the algorithm</a:t>
+              <a:t>The next steps</a:t>
             </a:r>
           </a:p>
         </p:txBody>
@@ -4799,7 +4804,7 @@
           <p:cNvPr id="3" name="Content Placeholder 2">
             <a:extLst>
               <a:ext uri="{FF2B5EF4-FFF2-40B4-BE49-F238E27FC236}">
-                <a16:creationId xmlns:a16="http://schemas.microsoft.com/office/drawing/2014/main" id="{38E737C4-FAAB-3670-9B05-5CEDCA606C36}"/>
+                <a16:creationId xmlns:a16="http://schemas.microsoft.com/office/drawing/2014/main" id="{5CB9F774-E90E-8CB9-8B17-17EC4AD8E9D8}"/>
               </a:ext>
             </a:extLst>
           </p:cNvPr>
@@ -4810,27 +4815,51 @@
             <p:ph sz="half" idx="1"/>
           </p:nvPr>
         </p:nvSpPr>
+        <p:spPr/>
+        <p:txBody>
+          <a:bodyPr/>
+          <a:lstStyle/>
+          <a:p>
+            <a:r>
+              <a:rPr lang="en-US" dirty="0"/>
+              <a:t>I thought of a couple of ways of improving my application. The first one is trying to fill in the blanks with the help of the Geonames API. I created a function that would fill in the Country by searching the postal code or the state in their database. It’s still an experimental feature! (Not all findings are accurate)</a:t>
+            </a:r>
+          </a:p>
+        </p:txBody>
+      </p:sp>
+      <p:pic>
+        <p:nvPicPr>
+          <p:cNvPr id="6" name="Content Placeholder 5">
+            <a:extLst>
+              <a:ext uri="{FF2B5EF4-FFF2-40B4-BE49-F238E27FC236}">
+                <a16:creationId xmlns:a16="http://schemas.microsoft.com/office/drawing/2014/main" id="{B679EEFD-E457-BFBF-F62E-5FE921F539CC}"/>
+              </a:ext>
+            </a:extLst>
+          </p:cNvPr>
+          <p:cNvPicPr>
+            <a:picLocks noGrp="1" noChangeAspect="1"/>
+          </p:cNvPicPr>
+          <p:nvPr>
+            <p:ph sz="half" idx="2"/>
+          </p:nvPr>
+        </p:nvPicPr>
+        <p:blipFill>
+          <a:blip r:embed="rId2"/>
+          <a:stretch>
+            <a:fillRect/>
+          </a:stretch>
+        </p:blipFill>
         <p:spPr>
           <a:xfrm>
-            <a:off x="484552" y="2552699"/>
-            <a:ext cx="11264536" cy="3624263"/>
+            <a:off x="5808255" y="2736573"/>
+            <a:ext cx="6140963" cy="2546253"/>
           </a:xfrm>
         </p:spPr>
-        <p:txBody>
-          <a:bodyPr/>
-          <a:lstStyle/>
-          <a:p>
-            <a:r>
-              <a:rPr lang="en-US" dirty="0"/>
-              <a:t>Another way is to train a NER algorithm from scratch (probably using SpaCy). The idea is to integrate an address database in site like structures and annotate the labels and their positions in the texts for the model to train on. Opting for such method would improve the accuracy and confidence of the found labels. This is a time and resource consuming process that I was not able to complete in such a short timespan. But I could elaborate a solution if asked.</a:t>
-            </a:r>
-          </a:p>
-        </p:txBody>
-      </p:sp>
+      </p:pic>
     </p:spTree>
     <p:extLst>
       <p:ext uri="{BB962C8B-B14F-4D97-AF65-F5344CB8AC3E}">
-        <p14:creationId xmlns:p14="http://schemas.microsoft.com/office/powerpoint/2010/main" val="586103342"/>
+        <p14:creationId xmlns:p14="http://schemas.microsoft.com/office/powerpoint/2010/main" val="2733580796"/>
       </p:ext>
     </p:extLst>
   </p:cSld>
@@ -4862,7 +4891,7 @@
           <p:cNvPr id="2" name="Title 1">
             <a:extLst>
               <a:ext uri="{FF2B5EF4-FFF2-40B4-BE49-F238E27FC236}">
-                <a16:creationId xmlns:a16="http://schemas.microsoft.com/office/drawing/2014/main" id="{4E9F1987-2CA4-87F9-521C-AD55E32A4852}"/>
+                <a16:creationId xmlns:a16="http://schemas.microsoft.com/office/drawing/2014/main" id="{CC5E89A2-6F1C-07AE-31A7-2C0F61AC3C55}"/>
               </a:ext>
             </a:extLst>
           </p:cNvPr>
@@ -4880,7 +4909,7 @@
           <a:p>
             <a:r>
               <a:rPr lang="en-US" dirty="0"/>
-              <a:t>Technologies used in my solution</a:t>
+              <a:t>Improving the algorithm</a:t>
             </a:r>
           </a:p>
         </p:txBody>
@@ -4890,7 +4919,7 @@
           <p:cNvPr id="3" name="Content Placeholder 2">
             <a:extLst>
               <a:ext uri="{FF2B5EF4-FFF2-40B4-BE49-F238E27FC236}">
-                <a16:creationId xmlns:a16="http://schemas.microsoft.com/office/drawing/2014/main" id="{9F6321E6-8A07-FDC3-4D03-C30B35A38F34}"/>
+                <a16:creationId xmlns:a16="http://schemas.microsoft.com/office/drawing/2014/main" id="{38E737C4-FAAB-3670-9B05-5CEDCA606C36}"/>
               </a:ext>
             </a:extLst>
           </p:cNvPr>
@@ -4903,7 +4932,7 @@
         </p:nvSpPr>
         <p:spPr>
           <a:xfrm>
-            <a:off x="484553" y="2552699"/>
+            <a:off x="484552" y="2552699"/>
             <a:ext cx="11264536" cy="3624263"/>
           </a:xfrm>
         </p:spPr>
@@ -4911,82 +4940,17 @@
           <a:bodyPr/>
           <a:lstStyle/>
           <a:p>
-            <a:pPr marL="342900" indent="-342900">
-              <a:buFont typeface="Arial" panose="020B0604020202020204" pitchFamily="34" charset="0"/>
-              <a:buChar char="•"/>
-            </a:pPr>
             <a:r>
               <a:rPr lang="en-US" dirty="0"/>
-              <a:t>Visual Studio Code</a:t>
-            </a:r>
-          </a:p>
-          <a:p>
-            <a:pPr marL="342900" indent="-342900">
-              <a:buFont typeface="Arial" panose="020B0604020202020204" pitchFamily="34" charset="0"/>
-              <a:buChar char="•"/>
-            </a:pPr>
-            <a:r>
-              <a:rPr lang="en-US" dirty="0"/>
-              <a:t>GitHub Copilot</a:t>
-            </a:r>
-          </a:p>
-          <a:p>
-            <a:pPr marL="342900" indent="-342900">
-              <a:buFont typeface="Arial" panose="020B0604020202020204" pitchFamily="34" charset="0"/>
-              <a:buChar char="•"/>
-            </a:pPr>
-            <a:r>
-              <a:rPr lang="en-US" dirty="0"/>
-              <a:t>Python 3.12</a:t>
-            </a:r>
-          </a:p>
-          <a:p>
-            <a:pPr marL="342900" indent="-342900">
-              <a:buFont typeface="Arial" panose="020B0604020202020204" pitchFamily="34" charset="0"/>
-              <a:buChar char="•"/>
-            </a:pPr>
-            <a:r>
-              <a:rPr lang="en-US" dirty="0" err="1"/>
-              <a:t>GLiNER</a:t>
-            </a:r>
-            <a:r>
-              <a:rPr lang="en-US" dirty="0"/>
-              <a:t> model</a:t>
-            </a:r>
-          </a:p>
-          <a:p>
-            <a:pPr marL="342900" indent="-342900">
-              <a:buFont typeface="Arial" panose="020B0604020202020204" pitchFamily="34" charset="0"/>
-              <a:buChar char="•"/>
-            </a:pPr>
-            <a:r>
-              <a:rPr lang="en-US" dirty="0"/>
-              <a:t>Selenium for the scraping</a:t>
-            </a:r>
-          </a:p>
-          <a:p>
-            <a:pPr marL="342900" indent="-342900">
-              <a:buFont typeface="Arial" panose="020B0604020202020204" pitchFamily="34" charset="0"/>
-              <a:buChar char="•"/>
-            </a:pPr>
-            <a:r>
-              <a:rPr lang="en-US" dirty="0"/>
-              <a:t>Pandas for tabular data processing</a:t>
-            </a:r>
-          </a:p>
-          <a:p>
-            <a:pPr marL="342900" indent="-342900">
-              <a:buFont typeface="Arial" panose="020B0604020202020204" pitchFamily="34" charset="0"/>
-              <a:buChar char="•"/>
-            </a:pPr>
-            <a:endParaRPr lang="en-US" dirty="0"/>
+              <a:t>Another way is to train a NER algorithm from scratch (probably using SpaCy). The idea is to integrate an address database in site like structures and annotate the labels and their positions in the texts for the model to train on. Opting for such method would improve the accuracy and confidence of the found labels. This is a time and resource consuming process that I was not able to complete in such a short timespan. But I could elaborate a solution if asked.</a:t>
+            </a:r>
           </a:p>
         </p:txBody>
       </p:sp>
     </p:spTree>
     <p:extLst>
       <p:ext uri="{BB962C8B-B14F-4D97-AF65-F5344CB8AC3E}">
-        <p14:creationId xmlns:p14="http://schemas.microsoft.com/office/powerpoint/2010/main" val="3668377168"/>
+        <p14:creationId xmlns:p14="http://schemas.microsoft.com/office/powerpoint/2010/main" val="586103342"/>
       </p:ext>
     </p:extLst>
   </p:cSld>
@@ -5084,6 +5048,374 @@
           <p:cNvPr id="2" name="Title 1">
             <a:extLst>
               <a:ext uri="{FF2B5EF4-FFF2-40B4-BE49-F238E27FC236}">
+                <a16:creationId xmlns:a16="http://schemas.microsoft.com/office/drawing/2014/main" id="{3D432111-7155-79B3-2550-0619458157F9}"/>
+              </a:ext>
+            </a:extLst>
+          </p:cNvPr>
+          <p:cNvSpPr>
+            <a:spLocks noGrp="1"/>
+          </p:cNvSpPr>
+          <p:nvPr>
+            <p:ph type="title"/>
+          </p:nvPr>
+        </p:nvSpPr>
+        <p:spPr/>
+        <p:txBody>
+          <a:bodyPr/>
+          <a:lstStyle/>
+          <a:p>
+            <a:r>
+              <a:rPr lang="en-US" dirty="0"/>
+              <a:t>SCOPE</a:t>
+            </a:r>
+          </a:p>
+        </p:txBody>
+      </p:sp>
+      <p:sp>
+        <p:nvSpPr>
+          <p:cNvPr id="3" name="Content Placeholder 2">
+            <a:extLst>
+              <a:ext uri="{FF2B5EF4-FFF2-40B4-BE49-F238E27FC236}">
+                <a16:creationId xmlns:a16="http://schemas.microsoft.com/office/drawing/2014/main" id="{17C738EA-9452-E432-D372-9DF78C4A09C2}"/>
+              </a:ext>
+            </a:extLst>
+          </p:cNvPr>
+          <p:cNvSpPr>
+            <a:spLocks noGrp="1"/>
+          </p:cNvSpPr>
+          <p:nvPr>
+            <p:ph idx="1"/>
+          </p:nvPr>
+        </p:nvSpPr>
+        <p:spPr>
+          <a:xfrm>
+            <a:off x="478663" y="2607405"/>
+            <a:ext cx="5440513" cy="3600450"/>
+          </a:xfrm>
+        </p:spPr>
+        <p:txBody>
+          <a:bodyPr/>
+          <a:lstStyle/>
+          <a:p>
+            <a:r>
+              <a:rPr lang="en-US" dirty="0"/>
+              <a:t>Scraping addresses from multiple websites.</a:t>
+            </a:r>
+          </a:p>
+          <a:p>
+            <a:r>
+              <a:rPr lang="en-US" b="1" dirty="0"/>
+              <a:t>Solution:</a:t>
+            </a:r>
+          </a:p>
+          <a:p>
+            <a:r>
+              <a:rPr lang="en-US" dirty="0"/>
+              <a:t>The use of a NER machine learning algorithm that can detect </a:t>
+            </a:r>
+            <a:r>
+              <a:rPr lang="en-US" dirty="0" err="1"/>
+              <a:t>andcategorize</a:t>
+            </a:r>
+            <a:r>
+              <a:rPr lang="en-US" dirty="0"/>
+              <a:t> important information known as named entities.</a:t>
+            </a:r>
+          </a:p>
+          <a:p>
+            <a:endParaRPr lang="en-US" dirty="0"/>
+          </a:p>
+        </p:txBody>
+      </p:sp>
+      <p:sp>
+        <p:nvSpPr>
+          <p:cNvPr id="4" name="TextBox 3">
+            <a:extLst>
+              <a:ext uri="{FF2B5EF4-FFF2-40B4-BE49-F238E27FC236}">
+                <a16:creationId xmlns:a16="http://schemas.microsoft.com/office/drawing/2014/main" id="{827CDBEC-DFBE-E005-DB78-C6A2055D548B}"/>
+              </a:ext>
+            </a:extLst>
+          </p:cNvPr>
+          <p:cNvSpPr txBox="1"/>
+          <p:nvPr/>
+        </p:nvSpPr>
+        <p:spPr>
+          <a:xfrm>
+            <a:off x="6351373" y="2607405"/>
+            <a:ext cx="5361963" cy="3870803"/>
+          </a:xfrm>
+          <a:prstGeom prst="rect">
+            <a:avLst/>
+          </a:prstGeom>
+          <a:noFill/>
+        </p:spPr>
+        <p:txBody>
+          <a:bodyPr wrap="square" rtlCol="0">
+            <a:spAutoFit/>
+          </a:bodyPr>
+          <a:lstStyle/>
+          <a:p>
+            <a:r>
+              <a:rPr lang="en-US" dirty="0"/>
+              <a:t>Tools:</a:t>
+            </a:r>
+          </a:p>
+          <a:p>
+            <a:pPr marL="285750" indent="-285750" algn="l" rtl="0" eaLnBrk="1" latinLnBrk="0" hangingPunct="1">
+              <a:lnSpc>
+                <a:spcPct val="120000"/>
+              </a:lnSpc>
+              <a:spcBef>
+                <a:spcPts val="1000"/>
+              </a:spcBef>
+              <a:spcAft>
+                <a:spcPts val="0"/>
+              </a:spcAft>
+              <a:buClrTx/>
+              <a:buSzPts val="2000"/>
+              <a:buFont typeface="Arial" panose="020B0604020202020204" pitchFamily="34" charset="0"/>
+              <a:buChar char="•"/>
+            </a:pPr>
+            <a:r>
+              <a:rPr lang="en-US" sz="1800" kern="1200" dirty="0">
+                <a:solidFill>
+                  <a:srgbClr val="000000"/>
+                </a:solidFill>
+                <a:effectLst/>
+                <a:latin typeface="Avenir Next LT Pro" panose="020B0504020202020204" pitchFamily="34" charset="0"/>
+                <a:ea typeface="+mn-ea"/>
+                <a:cs typeface="+mn-cs"/>
+              </a:rPr>
+              <a:t>Visual Studio Code</a:t>
+            </a:r>
+            <a:endParaRPr lang="en-US" sz="1800" dirty="0">
+              <a:effectLst/>
+            </a:endParaRPr>
+          </a:p>
+          <a:p>
+            <a:pPr marL="285750" indent="-285750" algn="l" rtl="0" eaLnBrk="1" latinLnBrk="0" hangingPunct="1">
+              <a:lnSpc>
+                <a:spcPct val="120000"/>
+              </a:lnSpc>
+              <a:spcBef>
+                <a:spcPts val="1000"/>
+              </a:spcBef>
+              <a:spcAft>
+                <a:spcPts val="0"/>
+              </a:spcAft>
+              <a:buFont typeface="Arial" panose="020B0604020202020204" pitchFamily="34" charset="0"/>
+              <a:buChar char="•"/>
+            </a:pPr>
+            <a:r>
+              <a:rPr lang="en-US" sz="1800" kern="1200" dirty="0">
+                <a:solidFill>
+                  <a:srgbClr val="000000"/>
+                </a:solidFill>
+                <a:effectLst/>
+                <a:latin typeface="Avenir Next LT Pro" panose="020B0504020202020204" pitchFamily="34" charset="0"/>
+                <a:ea typeface="+mn-ea"/>
+                <a:cs typeface="+mn-cs"/>
+              </a:rPr>
+              <a:t>GitHub Copilot</a:t>
+            </a:r>
+          </a:p>
+          <a:p>
+            <a:pPr marL="347472" indent="-347472" algn="l" rtl="0" eaLnBrk="1" latinLnBrk="0" hangingPunct="1">
+              <a:lnSpc>
+                <a:spcPct val="120000"/>
+              </a:lnSpc>
+              <a:spcBef>
+                <a:spcPts val="1000"/>
+              </a:spcBef>
+              <a:spcAft>
+                <a:spcPts val="0"/>
+              </a:spcAft>
+            </a:pPr>
+            <a:r>
+              <a:rPr lang="en-US" dirty="0">
+                <a:solidFill>
+                  <a:srgbClr val="000000"/>
+                </a:solidFill>
+                <a:latin typeface="Avenir Next LT Pro" panose="020B0504020202020204" pitchFamily="34" charset="0"/>
+              </a:rPr>
+              <a:t>Technologies:</a:t>
+            </a:r>
+            <a:endParaRPr lang="en-US" dirty="0">
+              <a:effectLst/>
+            </a:endParaRPr>
+          </a:p>
+          <a:p>
+            <a:pPr marL="347472" indent="-347472" algn="l" rtl="0" eaLnBrk="1" latinLnBrk="0" hangingPunct="1">
+              <a:lnSpc>
+                <a:spcPct val="120000"/>
+              </a:lnSpc>
+              <a:spcBef>
+                <a:spcPts val="1000"/>
+              </a:spcBef>
+              <a:spcAft>
+                <a:spcPts val="0"/>
+              </a:spcAft>
+              <a:buFont typeface="Arial" panose="020B0604020202020204" pitchFamily="34" charset="0"/>
+              <a:buChar char="•"/>
+            </a:pPr>
+            <a:r>
+              <a:rPr lang="en-US" sz="1800" kern="1200" dirty="0">
+                <a:solidFill>
+                  <a:srgbClr val="000000"/>
+                </a:solidFill>
+                <a:effectLst/>
+                <a:latin typeface="Avenir Next LT Pro" panose="020B0504020202020204" pitchFamily="34" charset="0"/>
+                <a:ea typeface="+mn-ea"/>
+                <a:cs typeface="+mn-cs"/>
+              </a:rPr>
+              <a:t>Python 3.12</a:t>
+            </a:r>
+            <a:endParaRPr lang="en-US" dirty="0">
+              <a:effectLst/>
+            </a:endParaRPr>
+          </a:p>
+          <a:p>
+            <a:pPr marL="347472" indent="-347472" algn="l" rtl="0" eaLnBrk="1" latinLnBrk="0" hangingPunct="1">
+              <a:lnSpc>
+                <a:spcPct val="120000"/>
+              </a:lnSpc>
+              <a:spcBef>
+                <a:spcPts val="1000"/>
+              </a:spcBef>
+              <a:spcAft>
+                <a:spcPts val="0"/>
+              </a:spcAft>
+              <a:buFont typeface="Arial" panose="020B0604020202020204" pitchFamily="34" charset="0"/>
+              <a:buChar char="•"/>
+            </a:pPr>
+            <a:r>
+              <a:rPr lang="en-US" sz="1800" kern="1200" dirty="0" err="1">
+                <a:solidFill>
+                  <a:srgbClr val="000000"/>
+                </a:solidFill>
+                <a:effectLst/>
+                <a:latin typeface="Avenir Next LT Pro" panose="020B0504020202020204" pitchFamily="34" charset="0"/>
+                <a:ea typeface="+mn-ea"/>
+                <a:cs typeface="+mn-cs"/>
+              </a:rPr>
+              <a:t>GLiNER</a:t>
+            </a:r>
+            <a:r>
+              <a:rPr lang="en-US" sz="1800" kern="1200" dirty="0">
+                <a:solidFill>
+                  <a:srgbClr val="000000"/>
+                </a:solidFill>
+                <a:effectLst/>
+                <a:latin typeface="Avenir Next LT Pro" panose="020B0504020202020204" pitchFamily="34" charset="0"/>
+                <a:ea typeface="+mn-ea"/>
+                <a:cs typeface="+mn-cs"/>
+              </a:rPr>
+              <a:t> model</a:t>
+            </a:r>
+            <a:endParaRPr lang="en-US" dirty="0">
+              <a:effectLst/>
+            </a:endParaRPr>
+          </a:p>
+          <a:p>
+            <a:pPr marL="347472" indent="-347472" algn="l" rtl="0" eaLnBrk="1" latinLnBrk="0" hangingPunct="1">
+              <a:lnSpc>
+                <a:spcPct val="120000"/>
+              </a:lnSpc>
+              <a:spcBef>
+                <a:spcPts val="1000"/>
+              </a:spcBef>
+              <a:spcAft>
+                <a:spcPts val="0"/>
+              </a:spcAft>
+              <a:buFont typeface="Arial" panose="020B0604020202020204" pitchFamily="34" charset="0"/>
+              <a:buChar char="•"/>
+            </a:pPr>
+            <a:r>
+              <a:rPr lang="en-US" sz="1800" kern="1200" dirty="0">
+                <a:solidFill>
+                  <a:srgbClr val="000000"/>
+                </a:solidFill>
+                <a:effectLst/>
+                <a:latin typeface="Avenir Next LT Pro" panose="020B0504020202020204" pitchFamily="34" charset="0"/>
+                <a:ea typeface="+mn-ea"/>
+                <a:cs typeface="+mn-cs"/>
+              </a:rPr>
+              <a:t>Selenium for the scraping</a:t>
+            </a:r>
+            <a:endParaRPr lang="en-US" dirty="0">
+              <a:effectLst/>
+            </a:endParaRPr>
+          </a:p>
+          <a:p>
+            <a:pPr marL="347472" indent="-347472" algn="l" rtl="0" eaLnBrk="1" latinLnBrk="0" hangingPunct="1">
+              <a:lnSpc>
+                <a:spcPct val="120000"/>
+              </a:lnSpc>
+              <a:spcBef>
+                <a:spcPts val="1000"/>
+              </a:spcBef>
+              <a:spcAft>
+                <a:spcPts val="0"/>
+              </a:spcAft>
+              <a:buFont typeface="Arial" panose="020B0604020202020204" pitchFamily="34" charset="0"/>
+              <a:buChar char="•"/>
+            </a:pPr>
+            <a:r>
+              <a:rPr lang="en-US" sz="1800" kern="1200" dirty="0">
+                <a:solidFill>
+                  <a:srgbClr val="000000"/>
+                </a:solidFill>
+                <a:effectLst/>
+                <a:latin typeface="Avenir Next LT Pro" panose="020B0504020202020204" pitchFamily="34" charset="0"/>
+                <a:ea typeface="+mn-ea"/>
+                <a:cs typeface="+mn-cs"/>
+              </a:rPr>
+              <a:t>Pandas for tabular data processing</a:t>
+            </a:r>
+            <a:endParaRPr lang="en-US" dirty="0">
+              <a:effectLst/>
+            </a:endParaRPr>
+          </a:p>
+          <a:p>
+            <a:endParaRPr lang="en-US" dirty="0"/>
+          </a:p>
+        </p:txBody>
+      </p:sp>
+    </p:spTree>
+    <p:extLst>
+      <p:ext uri="{BB962C8B-B14F-4D97-AF65-F5344CB8AC3E}">
+        <p14:creationId xmlns:p14="http://schemas.microsoft.com/office/powerpoint/2010/main" val="93863401"/>
+      </p:ext>
+    </p:extLst>
+  </p:cSld>
+  <p:clrMapOvr>
+    <a:masterClrMapping/>
+  </p:clrMapOvr>
+</p:sld>
+</file>
+
+<file path=ppt/slides/slide3.xml><?xml version="1.0" encoding="utf-8"?>
+<p:sld xmlns:a="http://schemas.openxmlformats.org/drawingml/2006/main" xmlns:r="http://schemas.openxmlformats.org/officeDocument/2006/relationships" xmlns:p="http://schemas.openxmlformats.org/presentationml/2006/main">
+  <p:cSld>
+    <p:spTree>
+      <p:nvGrpSpPr>
+        <p:cNvPr id="1" name=""/>
+        <p:cNvGrpSpPr/>
+        <p:nvPr/>
+      </p:nvGrpSpPr>
+      <p:grpSpPr>
+        <a:xfrm>
+          <a:off x="0" y="0"/>
+          <a:ext cx="0" cy="0"/>
+          <a:chOff x="0" y="0"/>
+          <a:chExt cx="0" cy="0"/>
+        </a:xfrm>
+      </p:grpSpPr>
+      <p:sp>
+        <p:nvSpPr>
+          <p:cNvPr id="2" name="Title 1">
+            <a:extLst>
+              <a:ext uri="{FF2B5EF4-FFF2-40B4-BE49-F238E27FC236}">
                 <a16:creationId xmlns:a16="http://schemas.microsoft.com/office/drawing/2014/main" id="{1F4BEEEA-9632-6B44-B743-AE622DB65093}"/>
               </a:ext>
             </a:extLst>
@@ -5156,7 +5488,7 @@
 </p:sld>
 </file>
 
-<file path=ppt/slides/slide3.xml><?xml version="1.0" encoding="utf-8"?>
+<file path=ppt/slides/slide4.xml><?xml version="1.0" encoding="utf-8"?>
 <p:sld xmlns:a="http://schemas.openxmlformats.org/drawingml/2006/main" xmlns:r="http://schemas.openxmlformats.org/officeDocument/2006/relationships" xmlns:p="http://schemas.openxmlformats.org/presentationml/2006/main">
   <p:cSld>
     <p:spTree>
@@ -5279,92 +5611,6 @@
 </p:sld>
 </file>
 
-<file path=ppt/slides/slide4.xml><?xml version="1.0" encoding="utf-8"?>
-<p:sld xmlns:a="http://schemas.openxmlformats.org/drawingml/2006/main" xmlns:r="http://schemas.openxmlformats.org/officeDocument/2006/relationships" xmlns:p="http://schemas.openxmlformats.org/presentationml/2006/main">
-  <p:cSld>
-    <p:spTree>
-      <p:nvGrpSpPr>
-        <p:cNvPr id="1" name=""/>
-        <p:cNvGrpSpPr/>
-        <p:nvPr/>
-      </p:nvGrpSpPr>
-      <p:grpSpPr>
-        <a:xfrm>
-          <a:off x="0" y="0"/>
-          <a:ext cx="0" cy="0"/>
-          <a:chOff x="0" y="0"/>
-          <a:chExt cx="0" cy="0"/>
-        </a:xfrm>
-      </p:grpSpPr>
-      <p:sp>
-        <p:nvSpPr>
-          <p:cNvPr id="2" name="Title 1">
-            <a:extLst>
-              <a:ext uri="{FF2B5EF4-FFF2-40B4-BE49-F238E27FC236}">
-                <a16:creationId xmlns:a16="http://schemas.microsoft.com/office/drawing/2014/main" id="{8B2DA4A5-0134-67CB-CBDF-6B6D4CD87C8E}"/>
-              </a:ext>
-            </a:extLst>
-          </p:cNvPr>
-          <p:cNvSpPr>
-            <a:spLocks noGrp="1"/>
-          </p:cNvSpPr>
-          <p:nvPr>
-            <p:ph type="title"/>
-          </p:nvPr>
-        </p:nvSpPr>
-        <p:spPr/>
-        <p:txBody>
-          <a:bodyPr/>
-          <a:lstStyle/>
-          <a:p>
-            <a:r>
-              <a:rPr lang="en-US" dirty="0"/>
-              <a:t>The problem?</a:t>
-            </a:r>
-          </a:p>
-        </p:txBody>
-      </p:sp>
-      <p:sp>
-        <p:nvSpPr>
-          <p:cNvPr id="3" name="Content Placeholder 2">
-            <a:extLst>
-              <a:ext uri="{FF2B5EF4-FFF2-40B4-BE49-F238E27FC236}">
-                <a16:creationId xmlns:a16="http://schemas.microsoft.com/office/drawing/2014/main" id="{2F6538C2-2AFD-2128-875C-2DF09A3880FB}"/>
-              </a:ext>
-            </a:extLst>
-          </p:cNvPr>
-          <p:cNvSpPr>
-            <a:spLocks noGrp="1"/>
-          </p:cNvSpPr>
-          <p:nvPr>
-            <p:ph idx="1"/>
-          </p:nvPr>
-        </p:nvSpPr>
-        <p:spPr/>
-        <p:txBody>
-          <a:bodyPr/>
-          <a:lstStyle/>
-          <a:p>
-            <a:r>
-              <a:rPr lang="en-US" dirty="0"/>
-              <a:t>As a human, I am not able to think of all the possibilities of annotating a street and so such method would miss some addresses for sure. </a:t>
-            </a:r>
-          </a:p>
-        </p:txBody>
-      </p:sp>
-    </p:spTree>
-    <p:extLst>
-      <p:ext uri="{BB962C8B-B14F-4D97-AF65-F5344CB8AC3E}">
-        <p14:creationId xmlns:p14="http://schemas.microsoft.com/office/powerpoint/2010/main" val="1328798642"/>
-      </p:ext>
-    </p:extLst>
-  </p:cSld>
-  <p:clrMapOvr>
-    <a:masterClrMapping/>
-  </p:clrMapOvr>
-</p:sld>
-</file>
-
 <file path=ppt/slides/slide5.xml><?xml version="1.0" encoding="utf-8"?>
 <p:sld xmlns:a="http://schemas.openxmlformats.org/drawingml/2006/main" xmlns:r="http://schemas.openxmlformats.org/officeDocument/2006/relationships" xmlns:p="http://schemas.openxmlformats.org/presentationml/2006/main">
   <p:cSld>
@@ -5387,7 +5633,7 @@
           <p:cNvPr id="2" name="Title 1">
             <a:extLst>
               <a:ext uri="{FF2B5EF4-FFF2-40B4-BE49-F238E27FC236}">
-                <a16:creationId xmlns:a16="http://schemas.microsoft.com/office/drawing/2014/main" id="{291D43EC-DBC8-46DD-B1B4-9C2889F760E0}"/>
+                <a16:creationId xmlns:a16="http://schemas.microsoft.com/office/drawing/2014/main" id="{8B2DA4A5-0134-67CB-CBDF-6B6D4CD87C8E}"/>
               </a:ext>
             </a:extLst>
           </p:cNvPr>
@@ -5405,7 +5651,7 @@
           <a:p>
             <a:r>
               <a:rPr lang="en-US" dirty="0"/>
-              <a:t>A more refined solution</a:t>
+              <a:t>The problem?</a:t>
             </a:r>
           </a:p>
         </p:txBody>
@@ -5415,77 +5661,25 @@
           <p:cNvPr id="3" name="Content Placeholder 2">
             <a:extLst>
               <a:ext uri="{FF2B5EF4-FFF2-40B4-BE49-F238E27FC236}">
-                <a16:creationId xmlns:a16="http://schemas.microsoft.com/office/drawing/2014/main" id="{58244C08-14A5-65F9-86B1-357331838574}"/>
-              </a:ext>
-            </a:extLst>
-          </p:cNvPr>
-          <p:cNvSpPr>
-            <a:spLocks noGrp="1"/>
-          </p:cNvSpPr>
-          <p:nvPr>
-            <p:ph sz="half" idx="1"/>
+                <a16:creationId xmlns:a16="http://schemas.microsoft.com/office/drawing/2014/main" id="{2F6538C2-2AFD-2128-875C-2DF09A3880FB}"/>
+              </a:ext>
+            </a:extLst>
+          </p:cNvPr>
+          <p:cNvSpPr>
+            <a:spLocks noGrp="1"/>
+          </p:cNvSpPr>
+          <p:nvPr>
+            <p:ph idx="1"/>
           </p:nvPr>
         </p:nvSpPr>
         <p:spPr/>
         <p:txBody>
-          <a:bodyPr>
-            <a:normAutofit fontScale="85000" lnSpcReduction="20000"/>
-          </a:bodyPr>
+          <a:bodyPr/>
           <a:lstStyle/>
           <a:p>
             <a:r>
               <a:rPr lang="en-US" dirty="0"/>
-              <a:t>After realizing that brute force was not an option, and neither regex was useful because the addresses can have multiple forms, hard to match with a single or even couple expressions, I turned to a popular algorithm in the realm of unsupervised machine learning: Clustering.</a:t>
-            </a:r>
-          </a:p>
-        </p:txBody>
-      </p:sp>
-      <p:sp>
-        <p:nvSpPr>
-          <p:cNvPr id="4" name="Content Placeholder 3">
-            <a:extLst>
-              <a:ext uri="{FF2B5EF4-FFF2-40B4-BE49-F238E27FC236}">
-                <a16:creationId xmlns:a16="http://schemas.microsoft.com/office/drawing/2014/main" id="{C733501E-33AF-07D6-F11E-EED9DDBE6F02}"/>
-              </a:ext>
-            </a:extLst>
-          </p:cNvPr>
-          <p:cNvSpPr>
-            <a:spLocks noGrp="1"/>
-          </p:cNvSpPr>
-          <p:nvPr>
-            <p:ph sz="half" idx="2"/>
-          </p:nvPr>
-        </p:nvSpPr>
-        <p:spPr/>
-        <p:txBody>
-          <a:bodyPr>
-            <a:normAutofit fontScale="85000" lnSpcReduction="20000"/>
-          </a:bodyPr>
-          <a:lstStyle/>
-          <a:p>
-            <a:r>
-              <a:rPr lang="en-US" b="1" dirty="0"/>
-              <a:t>What was the idea behind this?</a:t>
-            </a:r>
-          </a:p>
-          <a:p>
-            <a:r>
-              <a:rPr lang="en-US" dirty="0"/>
-              <a:t>To train a clustering algorithm on a long list of div class names that could or could not contain address information. After successfully identifying said cluster, It would be easy to run each site component through it and check for the possibility of containing a location. </a:t>
-            </a:r>
-          </a:p>
-          <a:p>
-            <a:r>
-              <a:rPr lang="en-US" dirty="0"/>
-              <a:t>The flaw of such idea was supposing that class names have meaning and could be easily clustered. After a little research, I found out that libraries like React or Angular compile classes with random names, so this approach does not define a </a:t>
-            </a:r>
-            <a:r>
-              <a:rPr lang="en-US" dirty="0" err="1"/>
-              <a:t>sollution</a:t>
-            </a:r>
-            <a:r>
-              <a:rPr lang="en-US" dirty="0"/>
-              <a:t>.</a:t>
+              <a:t>As a human, I am not able to think of all the possibilities of annotating a street and so such method would miss some addresses for sure. </a:t>
             </a:r>
           </a:p>
         </p:txBody>
@@ -5493,7 +5687,7 @@
     </p:spTree>
     <p:extLst>
       <p:ext uri="{BB962C8B-B14F-4D97-AF65-F5344CB8AC3E}">
-        <p14:creationId xmlns:p14="http://schemas.microsoft.com/office/powerpoint/2010/main" val="2621116516"/>
+        <p14:creationId xmlns:p14="http://schemas.microsoft.com/office/powerpoint/2010/main" val="1328798642"/>
       </p:ext>
     </p:extLst>
   </p:cSld>
@@ -5525,6 +5719,144 @@
           <p:cNvPr id="2" name="Title 1">
             <a:extLst>
               <a:ext uri="{FF2B5EF4-FFF2-40B4-BE49-F238E27FC236}">
+                <a16:creationId xmlns:a16="http://schemas.microsoft.com/office/drawing/2014/main" id="{291D43EC-DBC8-46DD-B1B4-9C2889F760E0}"/>
+              </a:ext>
+            </a:extLst>
+          </p:cNvPr>
+          <p:cNvSpPr>
+            <a:spLocks noGrp="1"/>
+          </p:cNvSpPr>
+          <p:nvPr>
+            <p:ph type="title"/>
+          </p:nvPr>
+        </p:nvSpPr>
+        <p:spPr/>
+        <p:txBody>
+          <a:bodyPr/>
+          <a:lstStyle/>
+          <a:p>
+            <a:r>
+              <a:rPr lang="en-US" dirty="0"/>
+              <a:t>A more refined solution</a:t>
+            </a:r>
+          </a:p>
+        </p:txBody>
+      </p:sp>
+      <p:sp>
+        <p:nvSpPr>
+          <p:cNvPr id="3" name="Content Placeholder 2">
+            <a:extLst>
+              <a:ext uri="{FF2B5EF4-FFF2-40B4-BE49-F238E27FC236}">
+                <a16:creationId xmlns:a16="http://schemas.microsoft.com/office/drawing/2014/main" id="{58244C08-14A5-65F9-86B1-357331838574}"/>
+              </a:ext>
+            </a:extLst>
+          </p:cNvPr>
+          <p:cNvSpPr>
+            <a:spLocks noGrp="1"/>
+          </p:cNvSpPr>
+          <p:nvPr>
+            <p:ph sz="half" idx="1"/>
+          </p:nvPr>
+        </p:nvSpPr>
+        <p:spPr/>
+        <p:txBody>
+          <a:bodyPr>
+            <a:normAutofit fontScale="85000" lnSpcReduction="20000"/>
+          </a:bodyPr>
+          <a:lstStyle/>
+          <a:p>
+            <a:r>
+              <a:rPr lang="en-US" dirty="0"/>
+              <a:t>After realizing that brute force was not an option, and neither regex was useful because the addresses can have multiple forms, hard to match with a single or even couple expressions, I turned to a popular algorithm in the realm of unsupervised machine learning: Clustering.</a:t>
+            </a:r>
+          </a:p>
+        </p:txBody>
+      </p:sp>
+      <p:sp>
+        <p:nvSpPr>
+          <p:cNvPr id="4" name="Content Placeholder 3">
+            <a:extLst>
+              <a:ext uri="{FF2B5EF4-FFF2-40B4-BE49-F238E27FC236}">
+                <a16:creationId xmlns:a16="http://schemas.microsoft.com/office/drawing/2014/main" id="{C733501E-33AF-07D6-F11E-EED9DDBE6F02}"/>
+              </a:ext>
+            </a:extLst>
+          </p:cNvPr>
+          <p:cNvSpPr>
+            <a:spLocks noGrp="1"/>
+          </p:cNvSpPr>
+          <p:nvPr>
+            <p:ph sz="half" idx="2"/>
+          </p:nvPr>
+        </p:nvSpPr>
+        <p:spPr/>
+        <p:txBody>
+          <a:bodyPr>
+            <a:normAutofit fontScale="85000" lnSpcReduction="20000"/>
+          </a:bodyPr>
+          <a:lstStyle/>
+          <a:p>
+            <a:r>
+              <a:rPr lang="en-US" b="1" dirty="0"/>
+              <a:t>What was the idea behind this?</a:t>
+            </a:r>
+          </a:p>
+          <a:p>
+            <a:r>
+              <a:rPr lang="en-US" dirty="0"/>
+              <a:t>To train a clustering algorithm on a long list of div class names that could or could not contain address information. After successfully identifying said cluster, It would be easy to run each site component through it and check for the possibility of containing a location. </a:t>
+            </a:r>
+          </a:p>
+          <a:p>
+            <a:r>
+              <a:rPr lang="en-US" dirty="0"/>
+              <a:t>The flaw of such idea was supposing that class names have meaning and could be easily clustered. After a little research, I found out that libraries like React or Angular compile classes with random names, so this approach does not define a </a:t>
+            </a:r>
+            <a:r>
+              <a:rPr lang="en-US" dirty="0" err="1"/>
+              <a:t>sollution</a:t>
+            </a:r>
+            <a:r>
+              <a:rPr lang="en-US" dirty="0"/>
+              <a:t>.</a:t>
+            </a:r>
+          </a:p>
+        </p:txBody>
+      </p:sp>
+    </p:spTree>
+    <p:extLst>
+      <p:ext uri="{BB962C8B-B14F-4D97-AF65-F5344CB8AC3E}">
+        <p14:creationId xmlns:p14="http://schemas.microsoft.com/office/powerpoint/2010/main" val="2621116516"/>
+      </p:ext>
+    </p:extLst>
+  </p:cSld>
+  <p:clrMapOvr>
+    <a:masterClrMapping/>
+  </p:clrMapOvr>
+</p:sld>
+</file>
+
+<file path=ppt/slides/slide7.xml><?xml version="1.0" encoding="utf-8"?>
+<p:sld xmlns:a="http://schemas.openxmlformats.org/drawingml/2006/main" xmlns:r="http://schemas.openxmlformats.org/officeDocument/2006/relationships" xmlns:p="http://schemas.openxmlformats.org/presentationml/2006/main">
+  <p:cSld>
+    <p:spTree>
+      <p:nvGrpSpPr>
+        <p:cNvPr id="1" name=""/>
+        <p:cNvGrpSpPr/>
+        <p:nvPr/>
+      </p:nvGrpSpPr>
+      <p:grpSpPr>
+        <a:xfrm>
+          <a:off x="0" y="0"/>
+          <a:ext cx="0" cy="0"/>
+          <a:chOff x="0" y="0"/>
+          <a:chExt cx="0" cy="0"/>
+        </a:xfrm>
+      </p:grpSpPr>
+      <p:sp>
+        <p:nvSpPr>
+          <p:cNvPr id="2" name="Title 1">
+            <a:extLst>
+              <a:ext uri="{FF2B5EF4-FFF2-40B4-BE49-F238E27FC236}">
                 <a16:creationId xmlns:a16="http://schemas.microsoft.com/office/drawing/2014/main" id="{1EDDBE1F-9EAC-11DA-BFF8-1B6AD40FACC4}"/>
               </a:ext>
             </a:extLst>
@@ -5669,7 +6001,7 @@
 </p:sld>
 </file>
 
-<file path=ppt/slides/slide7.xml><?xml version="1.0" encoding="utf-8"?>
+<file path=ppt/slides/slide8.xml><?xml version="1.0" encoding="utf-8"?>
 <p:sld xmlns:a="http://schemas.openxmlformats.org/drawingml/2006/main" xmlns:r="http://schemas.openxmlformats.org/officeDocument/2006/relationships" xmlns:p="http://schemas.openxmlformats.org/presentationml/2006/main">
   <p:cSld>
     <p:spTree>
@@ -5785,7 +6117,7 @@
 </p:sld>
 </file>
 
-<file path=ppt/slides/slide8.xml><?xml version="1.0" encoding="utf-8"?>
+<file path=ppt/slides/slide9.xml><?xml version="1.0" encoding="utf-8"?>
 <p:sld xmlns:a="http://schemas.openxmlformats.org/drawingml/2006/main" xmlns:r="http://schemas.openxmlformats.org/officeDocument/2006/relationships" xmlns:p="http://schemas.openxmlformats.org/presentationml/2006/main">
   <p:cSld>
     <p:spTree>
@@ -5913,121 +6245,6 @@
     <p:extLst>
       <p:ext uri="{BB962C8B-B14F-4D97-AF65-F5344CB8AC3E}">
         <p14:creationId xmlns:p14="http://schemas.microsoft.com/office/powerpoint/2010/main" val="1739705148"/>
-      </p:ext>
-    </p:extLst>
-  </p:cSld>
-  <p:clrMapOvr>
-    <a:masterClrMapping/>
-  </p:clrMapOvr>
-</p:sld>
-</file>
-
-<file path=ppt/slides/slide9.xml><?xml version="1.0" encoding="utf-8"?>
-<p:sld xmlns:a="http://schemas.openxmlformats.org/drawingml/2006/main" xmlns:r="http://schemas.openxmlformats.org/officeDocument/2006/relationships" xmlns:p="http://schemas.openxmlformats.org/presentationml/2006/main">
-  <p:cSld>
-    <p:spTree>
-      <p:nvGrpSpPr>
-        <p:cNvPr id="1" name=""/>
-        <p:cNvGrpSpPr/>
-        <p:nvPr/>
-      </p:nvGrpSpPr>
-      <p:grpSpPr>
-        <a:xfrm>
-          <a:off x="0" y="0"/>
-          <a:ext cx="0" cy="0"/>
-          <a:chOff x="0" y="0"/>
-          <a:chExt cx="0" cy="0"/>
-        </a:xfrm>
-      </p:grpSpPr>
-      <p:sp>
-        <p:nvSpPr>
-          <p:cNvPr id="2" name="Title 1">
-            <a:extLst>
-              <a:ext uri="{FF2B5EF4-FFF2-40B4-BE49-F238E27FC236}">
-                <a16:creationId xmlns:a16="http://schemas.microsoft.com/office/drawing/2014/main" id="{DEAB134B-57B5-56E9-44DD-B1595CC4F744}"/>
-              </a:ext>
-            </a:extLst>
-          </p:cNvPr>
-          <p:cNvSpPr>
-            <a:spLocks noGrp="1"/>
-          </p:cNvSpPr>
-          <p:nvPr>
-            <p:ph type="title"/>
-          </p:nvPr>
-        </p:nvSpPr>
-        <p:spPr/>
-        <p:txBody>
-          <a:bodyPr/>
-          <a:lstStyle/>
-          <a:p>
-            <a:r>
-              <a:rPr lang="en-US" dirty="0"/>
-              <a:t>The next steps</a:t>
-            </a:r>
-          </a:p>
-        </p:txBody>
-      </p:sp>
-      <p:sp>
-        <p:nvSpPr>
-          <p:cNvPr id="3" name="Content Placeholder 2">
-            <a:extLst>
-              <a:ext uri="{FF2B5EF4-FFF2-40B4-BE49-F238E27FC236}">
-                <a16:creationId xmlns:a16="http://schemas.microsoft.com/office/drawing/2014/main" id="{5CB9F774-E90E-8CB9-8B17-17EC4AD8E9D8}"/>
-              </a:ext>
-            </a:extLst>
-          </p:cNvPr>
-          <p:cNvSpPr>
-            <a:spLocks noGrp="1"/>
-          </p:cNvSpPr>
-          <p:nvPr>
-            <p:ph sz="half" idx="1"/>
-          </p:nvPr>
-        </p:nvSpPr>
-        <p:spPr/>
-        <p:txBody>
-          <a:bodyPr/>
-          <a:lstStyle/>
-          <a:p>
-            <a:r>
-              <a:rPr lang="en-US" dirty="0"/>
-              <a:t>I thought of a couple of ways of improving my application. The first one is trying to fill in the blanks with the help of the Geonames API. I created a function that would fill in the Country by searching the postal code or the state in their database. It’s still an experimental feature! (Not all findings are accurate)</a:t>
-            </a:r>
-          </a:p>
-        </p:txBody>
-      </p:sp>
-      <p:pic>
-        <p:nvPicPr>
-          <p:cNvPr id="6" name="Content Placeholder 5">
-            <a:extLst>
-              <a:ext uri="{FF2B5EF4-FFF2-40B4-BE49-F238E27FC236}">
-                <a16:creationId xmlns:a16="http://schemas.microsoft.com/office/drawing/2014/main" id="{B679EEFD-E457-BFBF-F62E-5FE921F539CC}"/>
-              </a:ext>
-            </a:extLst>
-          </p:cNvPr>
-          <p:cNvPicPr>
-            <a:picLocks noGrp="1" noChangeAspect="1"/>
-          </p:cNvPicPr>
-          <p:nvPr>
-            <p:ph sz="half" idx="2"/>
-          </p:nvPr>
-        </p:nvPicPr>
-        <p:blipFill>
-          <a:blip r:embed="rId2"/>
-          <a:stretch>
-            <a:fillRect/>
-          </a:stretch>
-        </p:blipFill>
-        <p:spPr>
-          <a:xfrm>
-            <a:off x="5808255" y="2736573"/>
-            <a:ext cx="6140963" cy="2546253"/>
-          </a:xfrm>
-        </p:spPr>
-      </p:pic>
-    </p:spTree>
-    <p:extLst>
-      <p:ext uri="{BB962C8B-B14F-4D97-AF65-F5344CB8AC3E}">
-        <p14:creationId xmlns:p14="http://schemas.microsoft.com/office/powerpoint/2010/main" val="2733580796"/>
       </p:ext>
     </p:extLst>
   </p:cSld>
